--- a/MongoDB-CRUD.pptx
+++ b/MongoDB-CRUD.pptx
@@ -229,7 +229,7 @@
           <a:p>
             <a:fld id="{D60B250B-736D-4EB9-988F-BB8C91E7DB3D}" type="datetimeFigureOut">
               <a:rPr lang="en-US" smtClean="0"/>
-              <a:t>1/31/19</a:t>
+              <a:t>2/6/2019</a:t>
             </a:fld>
             <a:endParaRPr lang="en-US"/>
           </a:p>
@@ -541,7 +541,7 @@
           <a:bodyPr/>
           <a:lstStyle/>
           <a:p>
-            <a:endParaRPr lang="uk-UA"/>
+            <a:endParaRPr lang="uk-UA" dirty="0"/>
           </a:p>
         </p:txBody>
       </p:sp>
@@ -2592,7 +2592,7 @@
           <a:p>
             <a:fld id="{1ADBAB29-AD8C-4DB8-B880-E3BADA25AAED}" type="datetime1">
               <a:rPr lang="en-US" smtClean="0"/>
-              <a:t>1/31/19</a:t>
+              <a:t>2/6/2019</a:t>
             </a:fld>
             <a:endParaRPr lang="en-US"/>
           </a:p>
@@ -2877,7 +2877,7 @@
           <a:p>
             <a:fld id="{B148A6B6-F15A-41C5-9094-FDF45F276459}" type="datetime1">
               <a:rPr lang="en-US" smtClean="0"/>
-              <a:t>1/31/19</a:t>
+              <a:t>2/6/2019</a:t>
             </a:fld>
             <a:endParaRPr lang="en-US"/>
           </a:p>
@@ -3144,7 +3144,7 @@
           <a:p>
             <a:fld id="{A27AC49C-7D41-43EB-99EA-2AA78D46E09E}" type="datetime1">
               <a:rPr lang="en-US" smtClean="0"/>
-              <a:t>1/31/19</a:t>
+              <a:t>2/6/2019</a:t>
             </a:fld>
             <a:endParaRPr lang="en-US"/>
           </a:p>
@@ -3317,7 +3317,7 @@
           <a:p>
             <a:fld id="{94854A51-1947-4089-B171-98E21F085794}" type="datetime1">
               <a:rPr lang="en-US" smtClean="0"/>
-              <a:t>1/31/19</a:t>
+              <a:t>2/6/2019</a:t>
             </a:fld>
             <a:endParaRPr lang="en-US"/>
           </a:p>
@@ -3500,7 +3500,7 @@
           <a:p>
             <a:fld id="{10B424DE-C5DA-4E09-B449-2D09325D6167}" type="datetime1">
               <a:rPr lang="en-US" smtClean="0"/>
-              <a:t>1/31/19</a:t>
+              <a:t>2/6/2019</a:t>
             </a:fld>
             <a:endParaRPr lang="en-US"/>
           </a:p>
@@ -3693,7 +3693,7 @@
           <a:p>
             <a:fld id="{422D2042-8B12-4217-BFFC-472FCAD46B40}" type="datetime1">
               <a:rPr lang="en-US" smtClean="0"/>
-              <a:t>1/31/19</a:t>
+              <a:t>2/6/2019</a:t>
             </a:fld>
             <a:endParaRPr lang="en-US"/>
           </a:p>
@@ -4060,7 +4060,7 @@
           <a:p>
             <a:fld id="{7E29C043-39FE-44D3-A50D-43EFD2F66576}" type="datetime1">
               <a:rPr lang="en-US" smtClean="0"/>
-              <a:t>1/31/19</a:t>
+              <a:t>2/6/2019</a:t>
             </a:fld>
             <a:endParaRPr lang="en-US"/>
           </a:p>
@@ -4461,7 +4461,7 @@
           <a:p>
             <a:fld id="{C38AFDDB-2D76-46D3-9083-F71CB1F6F0D6}" type="datetime1">
               <a:rPr lang="en-US" smtClean="0"/>
-              <a:t>1/31/19</a:t>
+              <a:t>2/6/2019</a:t>
             </a:fld>
             <a:endParaRPr lang="en-US"/>
           </a:p>
@@ -4693,7 +4693,7 @@
           <a:p>
             <a:fld id="{22CC21EE-41F4-41C0-8215-2358E51D0605}" type="datetime1">
               <a:rPr lang="en-US" smtClean="0"/>
-              <a:t>1/31/19</a:t>
+              <a:t>2/6/2019</a:t>
             </a:fld>
             <a:endParaRPr lang="en-US"/>
           </a:p>
@@ -5201,7 +5201,7 @@
           <a:p>
             <a:fld id="{52628FE3-A828-4824-9C65-0B6E301A7C2E}" type="datetime1">
               <a:rPr lang="en-US" smtClean="0"/>
-              <a:t>1/31/19</a:t>
+              <a:t>2/6/2019</a:t>
             </a:fld>
             <a:endParaRPr lang="en-US"/>
           </a:p>
@@ -5551,7 +5551,7 @@
           <a:p>
             <a:fld id="{8ADE1C9A-AE2C-4DBF-8C97-7AF2DC96E53F}" type="datetime1">
               <a:rPr lang="en-US" smtClean="0"/>
-              <a:t>1/31/19</a:t>
+              <a:t>2/6/2019</a:t>
             </a:fld>
             <a:endParaRPr lang="en-US"/>
           </a:p>
@@ -5672,7 +5672,7 @@
           <a:p>
             <a:fld id="{8B997629-5DE8-4848-B33A-BD85F6A22DA2}" type="datetime1">
               <a:rPr lang="en-US" smtClean="0"/>
-              <a:t>1/31/19</a:t>
+              <a:t>2/6/2019</a:t>
             </a:fld>
             <a:endParaRPr lang="en-US"/>
           </a:p>
@@ -5793,7 +5793,7 @@
           <a:p>
             <a:fld id="{4F91653B-A29F-416A-AB28-E5ED9AF9F774}" type="datetime1">
               <a:rPr lang="en-US" smtClean="0"/>
-              <a:t>1/31/19</a:t>
+              <a:t>2/6/2019</a:t>
             </a:fld>
             <a:endParaRPr lang="en-US"/>
           </a:p>
@@ -6010,7 +6010,7 @@
           <a:p>
             <a:fld id="{B7710434-858C-4C17-A4D9-102A9D92833F}" type="datetime1">
               <a:rPr lang="en-US" smtClean="0"/>
-              <a:t>1/31/19</a:t>
+              <a:t>2/6/2019</a:t>
             </a:fld>
             <a:endParaRPr lang="en-US"/>
           </a:p>
@@ -6484,7 +6484,7 @@
           <p:cNvPr id="2" name="Sous-titre 1">
             <a:extLst>
               <a:ext uri="{FF2B5EF4-FFF2-40B4-BE49-F238E27FC236}">
-                <a16:creationId xmlns:a16="http://schemas.microsoft.com/office/drawing/2014/main" id="{6A783268-4540-4744-90EF-9E4442313DE2}"/>
+                <a16:creationId xmlns:a16="http://schemas.microsoft.com/office/drawing/2014/main" xmlns="" id="{6A783268-4540-4744-90EF-9E4442313DE2}"/>
               </a:ext>
             </a:extLst>
           </p:cNvPr>
@@ -6512,7 +6512,7 @@
           <p:cNvPr id="3" name="Titre 2">
             <a:extLst>
               <a:ext uri="{FF2B5EF4-FFF2-40B4-BE49-F238E27FC236}">
-                <a16:creationId xmlns:a16="http://schemas.microsoft.com/office/drawing/2014/main" id="{47E06C93-D6CD-8A4E-AF6F-87E4F8AD830D}"/>
+                <a16:creationId xmlns:a16="http://schemas.microsoft.com/office/drawing/2014/main" xmlns="" id="{47E06C93-D6CD-8A4E-AF6F-87E4F8AD830D}"/>
               </a:ext>
             </a:extLst>
           </p:cNvPr>
@@ -6541,7 +6541,7 @@
           <p:cNvPr id="4" name="Image 3">
             <a:extLst>
               <a:ext uri="{FF2B5EF4-FFF2-40B4-BE49-F238E27FC236}">
-                <a16:creationId xmlns:a16="http://schemas.microsoft.com/office/drawing/2014/main" id="{AA12013E-273E-ED41-8E03-053D3D5DD583}"/>
+                <a16:creationId xmlns:a16="http://schemas.microsoft.com/office/drawing/2014/main" xmlns="" id="{AA12013E-273E-ED41-8E03-053D3D5DD583}"/>
               </a:ext>
             </a:extLst>
           </p:cNvPr>
@@ -6577,7 +6577,7 @@
           <p:cNvPr id="5" name="ZoneTexte 4">
             <a:extLst>
               <a:ext uri="{FF2B5EF4-FFF2-40B4-BE49-F238E27FC236}">
-                <a16:creationId xmlns:a16="http://schemas.microsoft.com/office/drawing/2014/main" id="{415D4394-4FCC-D845-A000-C7764949DD5E}"/>
+                <a16:creationId xmlns:a16="http://schemas.microsoft.com/office/drawing/2014/main" xmlns="" id="{415D4394-4FCC-D845-A000-C7764949DD5E}"/>
               </a:ext>
             </a:extLst>
           </p:cNvPr>
@@ -6669,7 +6669,7 @@
           <p:cNvPr id="2" name="Titre 1">
             <a:extLst>
               <a:ext uri="{FF2B5EF4-FFF2-40B4-BE49-F238E27FC236}">
-                <a16:creationId xmlns:a16="http://schemas.microsoft.com/office/drawing/2014/main" id="{D05A69DD-9DA5-6F49-BA9C-A739FDF514F7}"/>
+                <a16:creationId xmlns:a16="http://schemas.microsoft.com/office/drawing/2014/main" xmlns="" id="{D05A69DD-9DA5-6F49-BA9C-A739FDF514F7}"/>
               </a:ext>
             </a:extLst>
           </p:cNvPr>
@@ -6697,7 +6697,7 @@
           <p:cNvPr id="3" name="Espace réservé du contenu 2">
             <a:extLst>
               <a:ext uri="{FF2B5EF4-FFF2-40B4-BE49-F238E27FC236}">
-                <a16:creationId xmlns:a16="http://schemas.microsoft.com/office/drawing/2014/main" id="{FCA6129A-891C-EE47-B4EA-2CA59D6882B2}"/>
+                <a16:creationId xmlns:a16="http://schemas.microsoft.com/office/drawing/2014/main" xmlns="" id="{FCA6129A-891C-EE47-B4EA-2CA59D6882B2}"/>
               </a:ext>
             </a:extLst>
           </p:cNvPr>
@@ -6913,7 +6913,7 @@
           <p:cNvPr id="2" name="Titre 1">
             <a:extLst>
               <a:ext uri="{FF2B5EF4-FFF2-40B4-BE49-F238E27FC236}">
-                <a16:creationId xmlns:a16="http://schemas.microsoft.com/office/drawing/2014/main" id="{CDDBB30B-6356-B148-9071-C1D88FFA2B0C}"/>
+                <a16:creationId xmlns:a16="http://schemas.microsoft.com/office/drawing/2014/main" xmlns="" id="{CDDBB30B-6356-B148-9071-C1D88FFA2B0C}"/>
               </a:ext>
             </a:extLst>
           </p:cNvPr>
@@ -6941,7 +6941,7 @@
           <p:cNvPr id="3" name="Espace réservé du contenu 2">
             <a:extLst>
               <a:ext uri="{FF2B5EF4-FFF2-40B4-BE49-F238E27FC236}">
-                <a16:creationId xmlns:a16="http://schemas.microsoft.com/office/drawing/2014/main" id="{F8380118-EB9D-A942-BA11-F7EAD7D2F0A7}"/>
+                <a16:creationId xmlns:a16="http://schemas.microsoft.com/office/drawing/2014/main" xmlns="" id="{F8380118-EB9D-A942-BA11-F7EAD7D2F0A7}"/>
               </a:ext>
             </a:extLst>
           </p:cNvPr>
@@ -7121,7 +7121,15 @@
           <a:p>
             <a:r>
               <a:rPr lang="fr-LU" dirty="0"/>
-              <a:t> Différent de tout les éléments du tableau.</a:t>
+              <a:t> Différent de </a:t>
+            </a:r>
+            <a:r>
+              <a:rPr lang="fr-LU" dirty="0" smtClean="0"/>
+              <a:t>tous </a:t>
+            </a:r>
+            <a:r>
+              <a:rPr lang="fr-LU" dirty="0"/>
+              <a:t>les éléments du tableau.</a:t>
             </a:r>
           </a:p>
           <a:p>
@@ -7212,7 +7220,7 @@
           <p:cNvPr id="2" name="Titre 1">
             <a:extLst>
               <a:ext uri="{FF2B5EF4-FFF2-40B4-BE49-F238E27FC236}">
-                <a16:creationId xmlns:a16="http://schemas.microsoft.com/office/drawing/2014/main" id="{CDDBB30B-6356-B148-9071-C1D88FFA2B0C}"/>
+                <a16:creationId xmlns:a16="http://schemas.microsoft.com/office/drawing/2014/main" xmlns="" id="{CDDBB30B-6356-B148-9071-C1D88FFA2B0C}"/>
               </a:ext>
             </a:extLst>
           </p:cNvPr>
@@ -7240,7 +7248,7 @@
           <p:cNvPr id="3" name="Espace réservé du contenu 2">
             <a:extLst>
               <a:ext uri="{FF2B5EF4-FFF2-40B4-BE49-F238E27FC236}">
-                <a16:creationId xmlns:a16="http://schemas.microsoft.com/office/drawing/2014/main" id="{F8380118-EB9D-A942-BA11-F7EAD7D2F0A7}"/>
+                <a16:creationId xmlns:a16="http://schemas.microsoft.com/office/drawing/2014/main" xmlns="" id="{F8380118-EB9D-A942-BA11-F7EAD7D2F0A7}"/>
               </a:ext>
             </a:extLst>
           </p:cNvPr>
@@ -7540,7 +7548,7 @@
           <p:cNvPr id="2" name="Titre 1">
             <a:extLst>
               <a:ext uri="{FF2B5EF4-FFF2-40B4-BE49-F238E27FC236}">
-                <a16:creationId xmlns:a16="http://schemas.microsoft.com/office/drawing/2014/main" id="{942D10FC-0A79-CA44-B848-9D700CB3A9CB}"/>
+                <a16:creationId xmlns:a16="http://schemas.microsoft.com/office/drawing/2014/main" xmlns="" id="{942D10FC-0A79-CA44-B848-9D700CB3A9CB}"/>
               </a:ext>
             </a:extLst>
           </p:cNvPr>
@@ -7568,7 +7576,7 @@
           <p:cNvPr id="3" name="Espace réservé du contenu 2">
             <a:extLst>
               <a:ext uri="{FF2B5EF4-FFF2-40B4-BE49-F238E27FC236}">
-                <a16:creationId xmlns:a16="http://schemas.microsoft.com/office/drawing/2014/main" id="{A398A328-3015-5940-A31A-58EDE7B65C0B}"/>
+                <a16:creationId xmlns:a16="http://schemas.microsoft.com/office/drawing/2014/main" xmlns="" id="{A398A328-3015-5940-A31A-58EDE7B65C0B}"/>
               </a:ext>
             </a:extLst>
           </p:cNvPr>
@@ -7793,7 +7801,7 @@
           <p:cNvPr id="2" name="Titre 1">
             <a:extLst>
               <a:ext uri="{FF2B5EF4-FFF2-40B4-BE49-F238E27FC236}">
-                <a16:creationId xmlns:a16="http://schemas.microsoft.com/office/drawing/2014/main" id="{EE2F9FBA-00F4-9A4C-9FDB-B9EFC1824E33}"/>
+                <a16:creationId xmlns:a16="http://schemas.microsoft.com/office/drawing/2014/main" xmlns="" id="{EE2F9FBA-00F4-9A4C-9FDB-B9EFC1824E33}"/>
               </a:ext>
             </a:extLst>
           </p:cNvPr>
@@ -7821,7 +7829,7 @@
           <p:cNvPr id="3" name="Espace réservé du contenu 2">
             <a:extLst>
               <a:ext uri="{FF2B5EF4-FFF2-40B4-BE49-F238E27FC236}">
-                <a16:creationId xmlns:a16="http://schemas.microsoft.com/office/drawing/2014/main" id="{C23E2239-82B9-D742-B62E-7A00E465BB1D}"/>
+                <a16:creationId xmlns:a16="http://schemas.microsoft.com/office/drawing/2014/main" xmlns="" id="{C23E2239-82B9-D742-B62E-7A00E465BB1D}"/>
               </a:ext>
             </a:extLst>
           </p:cNvPr>
@@ -7838,8 +7846,12 @@
           <a:lstStyle/>
           <a:p>
             <a:r>
-              <a:rPr lang="fr-FR" dirty="0"/>
-              <a:t>Contiens tout les éléments d’un tableau</a:t>
+              <a:rPr lang="fr-FR" dirty="0" smtClean="0"/>
+              <a:t>Contient tous </a:t>
+            </a:r>
+            <a:r>
+              <a:rPr lang="fr-FR" dirty="0"/>
+              <a:t>les éléments d’un tableau</a:t>
             </a:r>
           </a:p>
           <a:p>
@@ -7888,8 +7900,20 @@
           </a:p>
           <a:p>
             <a:r>
+              <a:rPr lang="fr-LU" dirty="0" smtClean="0"/>
+              <a:t>Contient </a:t>
+            </a:r>
+            <a:r>
               <a:rPr lang="fr-LU" dirty="0"/>
-              <a:t>Contiens un éléments qui valide une condition (complexe)</a:t>
+              <a:t>un </a:t>
+            </a:r>
+            <a:r>
+              <a:rPr lang="fr-LU" dirty="0" smtClean="0"/>
+              <a:t>élément </a:t>
+            </a:r>
+            <a:r>
+              <a:rPr lang="fr-LU" dirty="0"/>
+              <a:t>qui valide une condition (complexe)</a:t>
             </a:r>
           </a:p>
           <a:p>
@@ -8038,7 +8062,7 @@
           <p:cNvPr id="4" name="Titre 3">
             <a:extLst>
               <a:ext uri="{FF2B5EF4-FFF2-40B4-BE49-F238E27FC236}">
-                <a16:creationId xmlns:a16="http://schemas.microsoft.com/office/drawing/2014/main" id="{E6C684A2-CEFF-B644-9661-6201B4A1155C}"/>
+                <a16:creationId xmlns:a16="http://schemas.microsoft.com/office/drawing/2014/main" xmlns="" id="{E6C684A2-CEFF-B644-9661-6201B4A1155C}"/>
               </a:ext>
             </a:extLst>
           </p:cNvPr>
@@ -8066,7 +8090,7 @@
           <p:cNvPr id="5" name="Espace réservé du contenu 4">
             <a:extLst>
               <a:ext uri="{FF2B5EF4-FFF2-40B4-BE49-F238E27FC236}">
-                <a16:creationId xmlns:a16="http://schemas.microsoft.com/office/drawing/2014/main" id="{5C6D2D7D-D885-E94B-A14C-9079561E5EF7}"/>
+                <a16:creationId xmlns:a16="http://schemas.microsoft.com/office/drawing/2014/main" xmlns="" id="{5C6D2D7D-D885-E94B-A14C-9079561E5EF7}"/>
               </a:ext>
             </a:extLst>
           </p:cNvPr>
@@ -8124,7 +8148,15 @@
             </a:r>
             <a:r>
               <a:rPr lang="fr-LU" dirty="0"/>
-              <a:t>: { $exits: </a:t>
+              <a:t>: { $</a:t>
+            </a:r>
+            <a:r>
+              <a:rPr lang="fr-LU" dirty="0" err="1" smtClean="0"/>
+              <a:t>exists</a:t>
+            </a:r>
+            <a:r>
+              <a:rPr lang="fr-LU" dirty="0"/>
+              <a:t>: </a:t>
             </a:r>
             <a:r>
               <a:rPr lang="fr-LU" dirty="0" err="1"/>
@@ -8151,7 +8183,15 @@
             </a:r>
             <a:r>
               <a:rPr lang="fr-LU" dirty="0"/>
-              <a:t>: { $exits: false } })</a:t>
+              <a:t>: { $</a:t>
+            </a:r>
+            <a:r>
+              <a:rPr lang="fr-LU" dirty="0" err="1" smtClean="0"/>
+              <a:t>exists</a:t>
+            </a:r>
+            <a:r>
+              <a:rPr lang="fr-LU" dirty="0"/>
+              <a:t>: false } })</a:t>
             </a:r>
           </a:p>
           <a:p>
@@ -8366,7 +8406,7 @@
           <p:cNvPr id="2" name="Titre 1">
             <a:extLst>
               <a:ext uri="{FF2B5EF4-FFF2-40B4-BE49-F238E27FC236}">
-                <a16:creationId xmlns:a16="http://schemas.microsoft.com/office/drawing/2014/main" id="{B5001CAC-EF5E-0E45-9435-9A16F1CE9E65}"/>
+                <a16:creationId xmlns:a16="http://schemas.microsoft.com/office/drawing/2014/main" xmlns="" id="{B5001CAC-EF5E-0E45-9435-9A16F1CE9E65}"/>
               </a:ext>
             </a:extLst>
           </p:cNvPr>
@@ -8394,7 +8434,7 @@
           <p:cNvPr id="8" name="Image 7">
             <a:extLst>
               <a:ext uri="{FF2B5EF4-FFF2-40B4-BE49-F238E27FC236}">
-                <a16:creationId xmlns:a16="http://schemas.microsoft.com/office/drawing/2014/main" id="{A0DAD5EF-4D02-1A47-9F3A-DF06FA51CFAE}"/>
+                <a16:creationId xmlns:a16="http://schemas.microsoft.com/office/drawing/2014/main" xmlns="" id="{A0DAD5EF-4D02-1A47-9F3A-DF06FA51CFAE}"/>
               </a:ext>
             </a:extLst>
           </p:cNvPr>
@@ -8460,7 +8500,7 @@
           <p:cNvPr id="2" name="Titre 1">
             <a:extLst>
               <a:ext uri="{FF2B5EF4-FFF2-40B4-BE49-F238E27FC236}">
-                <a16:creationId xmlns:a16="http://schemas.microsoft.com/office/drawing/2014/main" id="{B5001CAC-EF5E-0E45-9435-9A16F1CE9E65}"/>
+                <a16:creationId xmlns:a16="http://schemas.microsoft.com/office/drawing/2014/main" xmlns="" id="{B5001CAC-EF5E-0E45-9435-9A16F1CE9E65}"/>
               </a:ext>
             </a:extLst>
           </p:cNvPr>
@@ -8488,7 +8528,7 @@
           <p:cNvPr id="3" name="Espace réservé du contenu 2">
             <a:extLst>
               <a:ext uri="{FF2B5EF4-FFF2-40B4-BE49-F238E27FC236}">
-                <a16:creationId xmlns:a16="http://schemas.microsoft.com/office/drawing/2014/main" id="{1CF3A1E8-84B0-C44B-B997-536E5EAF83A4}"/>
+                <a16:creationId xmlns:a16="http://schemas.microsoft.com/office/drawing/2014/main" xmlns="" id="{1CF3A1E8-84B0-C44B-B997-536E5EAF83A4}"/>
               </a:ext>
             </a:extLst>
           </p:cNvPr>
@@ -8622,7 +8662,15 @@
             </a:pPr>
             <a:r>
               <a:rPr lang="fr-FR" dirty="0"/>
-              <a:t>Rechercher les acteurs prénommé « Kevin »</a:t>
+              <a:t>Rechercher les acteurs </a:t>
+            </a:r>
+            <a:r>
+              <a:rPr lang="fr-FR" dirty="0" smtClean="0"/>
+              <a:t>prénommés </a:t>
+            </a:r>
+            <a:r>
+              <a:rPr lang="fr-FR" dirty="0"/>
+              <a:t>« Kevin »</a:t>
             </a:r>
           </a:p>
           <a:p>
@@ -8682,7 +8730,7 @@
           <p:cNvPr id="2" name="Sous-titre 1">
             <a:extLst>
               <a:ext uri="{FF2B5EF4-FFF2-40B4-BE49-F238E27FC236}">
-                <a16:creationId xmlns:a16="http://schemas.microsoft.com/office/drawing/2014/main" id="{7F1ABA05-2F75-BB45-87B6-C3560F460F13}"/>
+                <a16:creationId xmlns:a16="http://schemas.microsoft.com/office/drawing/2014/main" xmlns="" id="{7F1ABA05-2F75-BB45-87B6-C3560F460F13}"/>
               </a:ext>
             </a:extLst>
           </p:cNvPr>
@@ -8710,7 +8758,7 @@
           <p:cNvPr id="3" name="Titre 2">
             <a:extLst>
               <a:ext uri="{FF2B5EF4-FFF2-40B4-BE49-F238E27FC236}">
-                <a16:creationId xmlns:a16="http://schemas.microsoft.com/office/drawing/2014/main" id="{4B5569DD-C7F6-6446-91D6-DB05468FE8D4}"/>
+                <a16:creationId xmlns:a16="http://schemas.microsoft.com/office/drawing/2014/main" xmlns="" id="{4B5569DD-C7F6-6446-91D6-DB05468FE8D4}"/>
               </a:ext>
             </a:extLst>
           </p:cNvPr>
@@ -8768,7 +8816,7 @@
           <p:cNvPr id="2" name="Titre 1">
             <a:extLst>
               <a:ext uri="{FF2B5EF4-FFF2-40B4-BE49-F238E27FC236}">
-                <a16:creationId xmlns:a16="http://schemas.microsoft.com/office/drawing/2014/main" id="{A8B7E3B3-DEFA-0E4D-B09A-131C27B5007C}"/>
+                <a16:creationId xmlns:a16="http://schemas.microsoft.com/office/drawing/2014/main" xmlns="" id="{A8B7E3B3-DEFA-0E4D-B09A-131C27B5007C}"/>
               </a:ext>
             </a:extLst>
           </p:cNvPr>
@@ -8796,7 +8844,7 @@
           <p:cNvPr id="3" name="Espace réservé du contenu 2">
             <a:extLst>
               <a:ext uri="{FF2B5EF4-FFF2-40B4-BE49-F238E27FC236}">
-                <a16:creationId xmlns:a16="http://schemas.microsoft.com/office/drawing/2014/main" id="{8A8BAC2D-35A6-CE43-B25E-F013C09B4A90}"/>
+                <a16:creationId xmlns:a16="http://schemas.microsoft.com/office/drawing/2014/main" xmlns="" id="{8A8BAC2D-35A6-CE43-B25E-F013C09B4A90}"/>
               </a:ext>
             </a:extLst>
           </p:cNvPr>
@@ -8924,7 +8972,7 @@
           <p:cNvPr id="4" name="ZoneTexte 3">
             <a:extLst>
               <a:ext uri="{FF2B5EF4-FFF2-40B4-BE49-F238E27FC236}">
-                <a16:creationId xmlns:a16="http://schemas.microsoft.com/office/drawing/2014/main" id="{2564AA5B-7846-6D49-9B98-DFA6DDD6A82A}"/>
+                <a16:creationId xmlns:a16="http://schemas.microsoft.com/office/drawing/2014/main" xmlns="" id="{2564AA5B-7846-6D49-9B98-DFA6DDD6A82A}"/>
               </a:ext>
             </a:extLst>
           </p:cNvPr>
@@ -9034,7 +9082,7 @@
           <p:cNvPr id="5" name="ZoneTexte 4">
             <a:extLst>
               <a:ext uri="{FF2B5EF4-FFF2-40B4-BE49-F238E27FC236}">
-                <a16:creationId xmlns:a16="http://schemas.microsoft.com/office/drawing/2014/main" id="{D58AA9C8-F1F8-874D-8723-1198DD546D36}"/>
+                <a16:creationId xmlns:a16="http://schemas.microsoft.com/office/drawing/2014/main" xmlns="" id="{D58AA9C8-F1F8-874D-8723-1198DD546D36}"/>
               </a:ext>
             </a:extLst>
           </p:cNvPr>
@@ -9239,6 +9287,10 @@
           <a:bodyPr/>
           <a:lstStyle/>
           <a:p>
+            <a:r>
+              <a:rPr lang="en-US" dirty="0"/>
+              <a:t/>
+            </a:r>
             <a:br>
               <a:rPr lang="en-US" dirty="0"/>
             </a:br>
@@ -9255,7 +9307,7 @@
           <p:cNvPr id="3" name="Image 2">
             <a:extLst>
               <a:ext uri="{FF2B5EF4-FFF2-40B4-BE49-F238E27FC236}">
-                <a16:creationId xmlns:a16="http://schemas.microsoft.com/office/drawing/2014/main" id="{5862AC37-871B-C247-9714-FE013E776945}"/>
+                <a16:creationId xmlns:a16="http://schemas.microsoft.com/office/drawing/2014/main" xmlns="" id="{5862AC37-871B-C247-9714-FE013E776945}"/>
               </a:ext>
             </a:extLst>
           </p:cNvPr>
@@ -9315,7 +9367,7 @@
           <p:cNvPr id="2" name="Titre 1">
             <a:extLst>
               <a:ext uri="{FF2B5EF4-FFF2-40B4-BE49-F238E27FC236}">
-                <a16:creationId xmlns:a16="http://schemas.microsoft.com/office/drawing/2014/main" id="{405AE4A2-64F7-9040-837F-5AE2A99720B8}"/>
+                <a16:creationId xmlns:a16="http://schemas.microsoft.com/office/drawing/2014/main" xmlns="" id="{405AE4A2-64F7-9040-837F-5AE2A99720B8}"/>
               </a:ext>
             </a:extLst>
           </p:cNvPr>
@@ -9343,7 +9395,7 @@
           <p:cNvPr id="3" name="Espace réservé du contenu 2">
             <a:extLst>
               <a:ext uri="{FF2B5EF4-FFF2-40B4-BE49-F238E27FC236}">
-                <a16:creationId xmlns:a16="http://schemas.microsoft.com/office/drawing/2014/main" id="{A5FEEC83-AFC0-1E4D-95B7-2F025493D4A1}"/>
+                <a16:creationId xmlns:a16="http://schemas.microsoft.com/office/drawing/2014/main" xmlns="" id="{A5FEEC83-AFC0-1E4D-95B7-2F025493D4A1}"/>
               </a:ext>
             </a:extLst>
           </p:cNvPr>
@@ -9436,7 +9488,15 @@
             <a:pPr lvl="1"/>
             <a:r>
               <a:rPr lang="fr-FR" dirty="0"/>
-              <a:t>multi : met à jour l’ensemble des documents qui répondes à la </a:t>
+              <a:t>multi : met à jour l’ensemble des documents qui </a:t>
+            </a:r>
+            <a:r>
+              <a:rPr lang="fr-FR" dirty="0" smtClean="0"/>
+              <a:t>répondent </a:t>
+            </a:r>
+            <a:r>
+              <a:rPr lang="fr-FR" dirty="0"/>
+              <a:t>à la </a:t>
             </a:r>
             <a:r>
               <a:rPr lang="fr-FR" dirty="0" err="1"/>
@@ -9488,7 +9548,7 @@
           <p:cNvPr id="2" name="Titre 1">
             <a:extLst>
               <a:ext uri="{FF2B5EF4-FFF2-40B4-BE49-F238E27FC236}">
-                <a16:creationId xmlns:a16="http://schemas.microsoft.com/office/drawing/2014/main" id="{405AE4A2-64F7-9040-837F-5AE2A99720B8}"/>
+                <a16:creationId xmlns:a16="http://schemas.microsoft.com/office/drawing/2014/main" xmlns="" id="{405AE4A2-64F7-9040-837F-5AE2A99720B8}"/>
               </a:ext>
             </a:extLst>
           </p:cNvPr>
@@ -9516,7 +9576,7 @@
           <p:cNvPr id="3" name="Espace réservé du contenu 2">
             <a:extLst>
               <a:ext uri="{FF2B5EF4-FFF2-40B4-BE49-F238E27FC236}">
-                <a16:creationId xmlns:a16="http://schemas.microsoft.com/office/drawing/2014/main" id="{A5FEEC83-AFC0-1E4D-95B7-2F025493D4A1}"/>
+                <a16:creationId xmlns:a16="http://schemas.microsoft.com/office/drawing/2014/main" xmlns="" id="{A5FEEC83-AFC0-1E4D-95B7-2F025493D4A1}"/>
               </a:ext>
             </a:extLst>
           </p:cNvPr>
@@ -9564,7 +9624,7 @@
           <p:cNvPr id="4" name="ZoneTexte 3">
             <a:extLst>
               <a:ext uri="{FF2B5EF4-FFF2-40B4-BE49-F238E27FC236}">
-                <a16:creationId xmlns:a16="http://schemas.microsoft.com/office/drawing/2014/main" id="{26A3B07D-4DA2-F542-A29F-2115F2F7656A}"/>
+                <a16:creationId xmlns:a16="http://schemas.microsoft.com/office/drawing/2014/main" xmlns="" id="{26A3B07D-4DA2-F542-A29F-2115F2F7656A}"/>
               </a:ext>
             </a:extLst>
           </p:cNvPr>
@@ -9743,7 +9803,7 @@
           <p:cNvPr id="5" name="ZoneTexte 4">
             <a:extLst>
               <a:ext uri="{FF2B5EF4-FFF2-40B4-BE49-F238E27FC236}">
-                <a16:creationId xmlns:a16="http://schemas.microsoft.com/office/drawing/2014/main" id="{3C7807A4-AE72-024F-BAAB-2B200EF66DD8}"/>
+                <a16:creationId xmlns:a16="http://schemas.microsoft.com/office/drawing/2014/main" xmlns="" id="{3C7807A4-AE72-024F-BAAB-2B200EF66DD8}"/>
               </a:ext>
             </a:extLst>
           </p:cNvPr>
@@ -9877,7 +9937,7 @@
           <p:cNvPr id="2" name="Titre 1">
             <a:extLst>
               <a:ext uri="{FF2B5EF4-FFF2-40B4-BE49-F238E27FC236}">
-                <a16:creationId xmlns:a16="http://schemas.microsoft.com/office/drawing/2014/main" id="{405AE4A2-64F7-9040-837F-5AE2A99720B8}"/>
+                <a16:creationId xmlns:a16="http://schemas.microsoft.com/office/drawing/2014/main" xmlns="" id="{405AE4A2-64F7-9040-837F-5AE2A99720B8}"/>
               </a:ext>
             </a:extLst>
           </p:cNvPr>
@@ -9905,7 +9965,7 @@
           <p:cNvPr id="3" name="Espace réservé du contenu 2">
             <a:extLst>
               <a:ext uri="{FF2B5EF4-FFF2-40B4-BE49-F238E27FC236}">
-                <a16:creationId xmlns:a16="http://schemas.microsoft.com/office/drawing/2014/main" id="{A5FEEC83-AFC0-1E4D-95B7-2F025493D4A1}"/>
+                <a16:creationId xmlns:a16="http://schemas.microsoft.com/office/drawing/2014/main" xmlns="" id="{A5FEEC83-AFC0-1E4D-95B7-2F025493D4A1}"/>
               </a:ext>
             </a:extLst>
           </p:cNvPr>
@@ -9994,7 +10054,15 @@
             </a:r>
             <a:r>
               <a:rPr lang="fr-FR" dirty="0"/>
-              <a:t> : incrémente la valeur des champs avec les valeurs spécifiés.</a:t>
+              <a:t> : incrémente la valeur des champs avec les valeurs </a:t>
+            </a:r>
+            <a:r>
+              <a:rPr lang="fr-FR" dirty="0" smtClean="0"/>
+              <a:t>spécifiées</a:t>
+            </a:r>
+            <a:r>
+              <a:rPr lang="fr-FR" dirty="0"/>
+              <a:t>.</a:t>
             </a:r>
           </a:p>
           <a:p>
@@ -10035,8 +10103,13 @@
             </a:r>
             <a:r>
               <a:rPr lang="fr-FR" dirty="0"/>
-              <a:t>: multiplie la valeur des champs par les valeurs spécifiés</a:t>
-            </a:r>
+              <a:t>: multiplie la valeur des champs par les valeurs </a:t>
+            </a:r>
+            <a:r>
+              <a:rPr lang="fr-FR" dirty="0" smtClean="0"/>
+              <a:t>spécifiées</a:t>
+            </a:r>
+            <a:endParaRPr lang="fr-FR" dirty="0"/>
           </a:p>
           <a:p>
             <a:pPr lvl="1"/>
@@ -10072,8 +10145,13 @@
             </a:r>
             <a:r>
               <a:rPr lang="fr-FR" dirty="0"/>
-              <a:t> : renomme le champ par les valeurs spécifiés</a:t>
-            </a:r>
+              <a:t> : renomme le champ par les valeurs </a:t>
+            </a:r>
+            <a:r>
+              <a:rPr lang="fr-FR" dirty="0" smtClean="0"/>
+              <a:t>spécifiées</a:t>
+            </a:r>
+            <a:endParaRPr lang="fr-FR" dirty="0"/>
           </a:p>
           <a:p>
             <a:pPr lvl="1"/>
@@ -10105,8 +10183,13 @@
             </a:r>
             <a:r>
               <a:rPr lang="fr-FR" dirty="0"/>
-              <a:t> : Change la valeur du champ par les valeurs spécifiés</a:t>
-            </a:r>
+              <a:t> : Change la valeur du champ par les valeurs </a:t>
+            </a:r>
+            <a:r>
+              <a:rPr lang="fr-FR" dirty="0" smtClean="0"/>
+              <a:t>spécifiées</a:t>
+            </a:r>
+            <a:endParaRPr lang="fr-FR" dirty="0"/>
           </a:p>
           <a:p>
             <a:pPr lvl="1"/>
@@ -10167,7 +10250,15 @@
             </a:r>
             <a:r>
               <a:rPr lang="fr-FR" dirty="0"/>
-              <a:t>: Change la valeur des champs par les valeurs spécifiés lors d’un </a:t>
+              <a:t>: Change la valeur des champs par les valeurs </a:t>
+            </a:r>
+            <a:r>
+              <a:rPr lang="fr-FR" dirty="0" smtClean="0"/>
+              <a:t>spécifiées </a:t>
+            </a:r>
+            <a:r>
+              <a:rPr lang="fr-FR" dirty="0"/>
+              <a:t>lors d’un </a:t>
             </a:r>
             <a:r>
               <a:rPr lang="fr-FR" dirty="0" err="1"/>
@@ -10230,7 +10321,7 @@
           <p:cNvPr id="2" name="Titre 1">
             <a:extLst>
               <a:ext uri="{FF2B5EF4-FFF2-40B4-BE49-F238E27FC236}">
-                <a16:creationId xmlns:a16="http://schemas.microsoft.com/office/drawing/2014/main" id="{405AE4A2-64F7-9040-837F-5AE2A99720B8}"/>
+                <a16:creationId xmlns:a16="http://schemas.microsoft.com/office/drawing/2014/main" xmlns="" id="{405AE4A2-64F7-9040-837F-5AE2A99720B8}"/>
               </a:ext>
             </a:extLst>
           </p:cNvPr>
@@ -10258,7 +10349,7 @@
           <p:cNvPr id="3" name="Espace réservé du contenu 2">
             <a:extLst>
               <a:ext uri="{FF2B5EF4-FFF2-40B4-BE49-F238E27FC236}">
-                <a16:creationId xmlns:a16="http://schemas.microsoft.com/office/drawing/2014/main" id="{A5FEEC83-AFC0-1E4D-95B7-2F025493D4A1}"/>
+                <a16:creationId xmlns:a16="http://schemas.microsoft.com/office/drawing/2014/main" xmlns="" id="{A5FEEC83-AFC0-1E4D-95B7-2F025493D4A1}"/>
               </a:ext>
             </a:extLst>
           </p:cNvPr>
@@ -10319,7 +10410,15 @@
             </a:r>
             <a:r>
               <a:rPr lang="fr-FR" dirty="0"/>
-              <a:t> : ajoute les éléments si non présent dans le champ</a:t>
+              <a:t> : ajoute les éléments si non </a:t>
+            </a:r>
+            <a:r>
+              <a:rPr lang="fr-FR" dirty="0" smtClean="0"/>
+              <a:t>présents </a:t>
+            </a:r>
+            <a:r>
+              <a:rPr lang="fr-FR" dirty="0"/>
+              <a:t>dans le champ</a:t>
             </a:r>
           </a:p>
           <a:p>
@@ -10546,7 +10645,7 @@
           <p:cNvPr id="2" name="Titre 1">
             <a:extLst>
               <a:ext uri="{FF2B5EF4-FFF2-40B4-BE49-F238E27FC236}">
-                <a16:creationId xmlns:a16="http://schemas.microsoft.com/office/drawing/2014/main" id="{405AE4A2-64F7-9040-837F-5AE2A99720B8}"/>
+                <a16:creationId xmlns:a16="http://schemas.microsoft.com/office/drawing/2014/main" xmlns="" id="{405AE4A2-64F7-9040-837F-5AE2A99720B8}"/>
               </a:ext>
             </a:extLst>
           </p:cNvPr>
@@ -10574,7 +10673,7 @@
           <p:cNvPr id="3" name="Espace réservé du contenu 2">
             <a:extLst>
               <a:ext uri="{FF2B5EF4-FFF2-40B4-BE49-F238E27FC236}">
-                <a16:creationId xmlns:a16="http://schemas.microsoft.com/office/drawing/2014/main" id="{A5FEEC83-AFC0-1E4D-95B7-2F025493D4A1}"/>
+                <a16:creationId xmlns:a16="http://schemas.microsoft.com/office/drawing/2014/main" xmlns="" id="{A5FEEC83-AFC0-1E4D-95B7-2F025493D4A1}"/>
               </a:ext>
             </a:extLst>
           </p:cNvPr>
@@ -10598,7 +10697,15 @@
             </a:r>
             <a:r>
               <a:rPr lang="fr-FR" dirty="0"/>
-              <a:t> : met à jours le premier élément du tableau qui respecte la recherche</a:t>
+              <a:t> : met à </a:t>
+            </a:r>
+            <a:r>
+              <a:rPr lang="fr-FR" dirty="0" smtClean="0"/>
+              <a:t>jour </a:t>
+            </a:r>
+            <a:r>
+              <a:rPr lang="fr-FR" dirty="0"/>
+              <a:t>le premier élément du tableau qui respecte la recherche</a:t>
             </a:r>
           </a:p>
           <a:p>
@@ -10623,7 +10730,23 @@
             </a:r>
             <a:r>
               <a:rPr lang="fr-FR" dirty="0"/>
-              <a:t> : met à jours tout les éléments du tableau qui respecte la recherche </a:t>
+              <a:t> : met à </a:t>
+            </a:r>
+            <a:r>
+              <a:rPr lang="fr-FR" dirty="0" smtClean="0"/>
+              <a:t>jour tous </a:t>
+            </a:r>
+            <a:r>
+              <a:rPr lang="fr-FR" dirty="0"/>
+              <a:t>les éléments du tableau qui </a:t>
+            </a:r>
+            <a:r>
+              <a:rPr lang="fr-FR" dirty="0" smtClean="0"/>
+              <a:t>respectent </a:t>
+            </a:r>
+            <a:r>
+              <a:rPr lang="fr-FR" dirty="0"/>
+              <a:t>la recherche </a:t>
             </a:r>
             <a:r>
               <a:rPr lang="fr-FR" i="1" dirty="0"/>
@@ -10649,7 +10772,7 @@
           <p:cNvPr id="4" name="ZoneTexte 3">
             <a:extLst>
               <a:ext uri="{FF2B5EF4-FFF2-40B4-BE49-F238E27FC236}">
-                <a16:creationId xmlns:a16="http://schemas.microsoft.com/office/drawing/2014/main" id="{4E6EDC96-FC88-C84C-A190-BA2C0EC84D87}"/>
+                <a16:creationId xmlns:a16="http://schemas.microsoft.com/office/drawing/2014/main" xmlns="" id="{4E6EDC96-FC88-C84C-A190-BA2C0EC84D87}"/>
               </a:ext>
             </a:extLst>
           </p:cNvPr>
@@ -10840,7 +10963,7 @@
           <p:cNvPr id="5" name="ZoneTexte 4">
             <a:extLst>
               <a:ext uri="{FF2B5EF4-FFF2-40B4-BE49-F238E27FC236}">
-                <a16:creationId xmlns:a16="http://schemas.microsoft.com/office/drawing/2014/main" id="{5BE2AA4F-45B2-B142-9D60-E47D99283314}"/>
+                <a16:creationId xmlns:a16="http://schemas.microsoft.com/office/drawing/2014/main" xmlns="" id="{5BE2AA4F-45B2-B142-9D60-E47D99283314}"/>
               </a:ext>
             </a:extLst>
           </p:cNvPr>
@@ -11126,7 +11249,7 @@
           <p:cNvPr id="2" name="Titre 1">
             <a:extLst>
               <a:ext uri="{FF2B5EF4-FFF2-40B4-BE49-F238E27FC236}">
-                <a16:creationId xmlns:a16="http://schemas.microsoft.com/office/drawing/2014/main" id="{405AE4A2-64F7-9040-837F-5AE2A99720B8}"/>
+                <a16:creationId xmlns:a16="http://schemas.microsoft.com/office/drawing/2014/main" xmlns="" id="{405AE4A2-64F7-9040-837F-5AE2A99720B8}"/>
               </a:ext>
             </a:extLst>
           </p:cNvPr>
@@ -11154,7 +11277,7 @@
           <p:cNvPr id="3" name="Espace réservé du contenu 2">
             <a:extLst>
               <a:ext uri="{FF2B5EF4-FFF2-40B4-BE49-F238E27FC236}">
-                <a16:creationId xmlns:a16="http://schemas.microsoft.com/office/drawing/2014/main" id="{A5FEEC83-AFC0-1E4D-95B7-2F025493D4A1}"/>
+                <a16:creationId xmlns:a16="http://schemas.microsoft.com/office/drawing/2014/main" xmlns="" id="{A5FEEC83-AFC0-1E4D-95B7-2F025493D4A1}"/>
               </a:ext>
             </a:extLst>
           </p:cNvPr>
@@ -11178,7 +11301,23 @@
             </a:r>
             <a:r>
               <a:rPr lang="fr-FR" dirty="0"/>
-              <a:t> : met à jours les éléments qui respecte des </a:t>
+              <a:t> : met à </a:t>
+            </a:r>
+            <a:r>
+              <a:rPr lang="fr-FR" dirty="0" smtClean="0"/>
+              <a:t>jour </a:t>
+            </a:r>
+            <a:r>
+              <a:rPr lang="fr-FR" dirty="0"/>
+              <a:t>les éléments qui </a:t>
+            </a:r>
+            <a:r>
+              <a:rPr lang="fr-FR" dirty="0" smtClean="0"/>
+              <a:t>respectent </a:t>
+            </a:r>
+            <a:r>
+              <a:rPr lang="fr-FR" dirty="0"/>
+              <a:t>des </a:t>
             </a:r>
             <a:r>
               <a:rPr lang="fr-FR" dirty="0" err="1"/>
@@ -11186,7 +11325,11 @@
             </a:r>
             <a:r>
               <a:rPr lang="fr-FR" dirty="0"/>
-              <a:t> avancé </a:t>
+              <a:t> </a:t>
+            </a:r>
+            <a:r>
+              <a:rPr lang="fr-FR" dirty="0" smtClean="0"/>
+              <a:t>avancées </a:t>
             </a:r>
             <a:r>
               <a:rPr lang="fr-FR" i="1" dirty="0"/>
@@ -11221,7 +11364,7 @@
           <p:cNvPr id="4" name="ZoneTexte 3">
             <a:extLst>
               <a:ext uri="{FF2B5EF4-FFF2-40B4-BE49-F238E27FC236}">
-                <a16:creationId xmlns:a16="http://schemas.microsoft.com/office/drawing/2014/main" id="{4E6EDC96-FC88-C84C-A190-BA2C0EC84D87}"/>
+                <a16:creationId xmlns:a16="http://schemas.microsoft.com/office/drawing/2014/main" xmlns="" id="{4E6EDC96-FC88-C84C-A190-BA2C0EC84D87}"/>
               </a:ext>
             </a:extLst>
           </p:cNvPr>
@@ -11475,7 +11618,7 @@
           <p:cNvPr id="6" name="ZoneTexte 5">
             <a:extLst>
               <a:ext uri="{FF2B5EF4-FFF2-40B4-BE49-F238E27FC236}">
-                <a16:creationId xmlns:a16="http://schemas.microsoft.com/office/drawing/2014/main" id="{CC5559BF-A143-0F43-81C0-82A14EE6F878}"/>
+                <a16:creationId xmlns:a16="http://schemas.microsoft.com/office/drawing/2014/main" xmlns="" id="{CC5559BF-A143-0F43-81C0-82A14EE6F878}"/>
               </a:ext>
             </a:extLst>
           </p:cNvPr>
@@ -11847,7 +11990,7 @@
           <p:cNvPr id="2" name="Titre 1">
             <a:extLst>
               <a:ext uri="{FF2B5EF4-FFF2-40B4-BE49-F238E27FC236}">
-                <a16:creationId xmlns:a16="http://schemas.microsoft.com/office/drawing/2014/main" id="{405AE4A2-64F7-9040-837F-5AE2A99720B8}"/>
+                <a16:creationId xmlns:a16="http://schemas.microsoft.com/office/drawing/2014/main" xmlns="" id="{405AE4A2-64F7-9040-837F-5AE2A99720B8}"/>
               </a:ext>
             </a:extLst>
           </p:cNvPr>
@@ -11875,7 +12018,7 @@
           <p:cNvPr id="3" name="Espace réservé du contenu 2">
             <a:extLst>
               <a:ext uri="{FF2B5EF4-FFF2-40B4-BE49-F238E27FC236}">
-                <a16:creationId xmlns:a16="http://schemas.microsoft.com/office/drawing/2014/main" id="{A5FEEC83-AFC0-1E4D-95B7-2F025493D4A1}"/>
+                <a16:creationId xmlns:a16="http://schemas.microsoft.com/office/drawing/2014/main" xmlns="" id="{A5FEEC83-AFC0-1E4D-95B7-2F025493D4A1}"/>
               </a:ext>
             </a:extLst>
           </p:cNvPr>
@@ -11911,7 +12054,7 @@
           <p:cNvPr id="4" name="ZoneTexte 3">
             <a:extLst>
               <a:ext uri="{FF2B5EF4-FFF2-40B4-BE49-F238E27FC236}">
-                <a16:creationId xmlns:a16="http://schemas.microsoft.com/office/drawing/2014/main" id="{7C2449F2-A75A-054A-BBDD-B183D7F86BC1}"/>
+                <a16:creationId xmlns:a16="http://schemas.microsoft.com/office/drawing/2014/main" xmlns="" id="{7C2449F2-A75A-054A-BBDD-B183D7F86BC1}"/>
               </a:ext>
             </a:extLst>
           </p:cNvPr>
@@ -12042,7 +12185,7 @@
           <p:cNvPr id="2" name="Titre 1">
             <a:extLst>
               <a:ext uri="{FF2B5EF4-FFF2-40B4-BE49-F238E27FC236}">
-                <a16:creationId xmlns:a16="http://schemas.microsoft.com/office/drawing/2014/main" id="{B5001CAC-EF5E-0E45-9435-9A16F1CE9E65}"/>
+                <a16:creationId xmlns:a16="http://schemas.microsoft.com/office/drawing/2014/main" xmlns="" id="{B5001CAC-EF5E-0E45-9435-9A16F1CE9E65}"/>
               </a:ext>
             </a:extLst>
           </p:cNvPr>
@@ -12070,7 +12213,7 @@
           <p:cNvPr id="3" name="Espace réservé du contenu 2">
             <a:extLst>
               <a:ext uri="{FF2B5EF4-FFF2-40B4-BE49-F238E27FC236}">
-                <a16:creationId xmlns:a16="http://schemas.microsoft.com/office/drawing/2014/main" id="{1CF3A1E8-84B0-C44B-B997-536E5EAF83A4}"/>
+                <a16:creationId xmlns:a16="http://schemas.microsoft.com/office/drawing/2014/main" xmlns="" id="{1CF3A1E8-84B0-C44B-B997-536E5EAF83A4}"/>
               </a:ext>
             </a:extLst>
           </p:cNvPr>
@@ -12093,15 +12236,23 @@
             </a:pPr>
             <a:r>
               <a:rPr lang="fr-FR" dirty="0"/>
-              <a:t>Pour les exercices d’insertion et de mise à jours vous allez avoir besoin du fichier « </a:t>
-            </a:r>
-            <a:r>
-              <a:rPr lang="fr-FR" dirty="0" err="1"/>
-              <a:t>creation_update.js</a:t>
-            </a:r>
-            <a:r>
-              <a:rPr lang="fr-FR" dirty="0"/>
-              <a:t> » qui contient toute les données à insérer / mettre à jour.</a:t>
+              <a:t>Pour les exercices d’insertion et de mise à </a:t>
+            </a:r>
+            <a:r>
+              <a:rPr lang="fr-FR" dirty="0" smtClean="0"/>
+              <a:t>jour </a:t>
+            </a:r>
+            <a:r>
+              <a:rPr lang="fr-FR" dirty="0"/>
+              <a:t>vous allez avoir besoin du fichier « creation_update.js » qui contient </a:t>
+            </a:r>
+            <a:r>
+              <a:rPr lang="fr-FR" dirty="0" smtClean="0"/>
+              <a:t>toutes </a:t>
+            </a:r>
+            <a:r>
+              <a:rPr lang="fr-FR" dirty="0"/>
+              <a:t>les données à insérer / mettre à jour.</a:t>
             </a:r>
           </a:p>
           <a:p>
@@ -12126,8 +12277,28 @@
               <a:buAutoNum type="arabicPeriod"/>
             </a:pPr>
             <a:r>
-              <a:rPr lang="fr-FR" dirty="0"/>
-              <a:t>Insérer ou mettez à jours les acteurs jouant dans « The Avengers » (</a:t>
+              <a:rPr lang="fr-FR" dirty="0" smtClean="0"/>
+              <a:t>Insérer </a:t>
+            </a:r>
+            <a:r>
+              <a:rPr lang="fr-FR" dirty="0"/>
+              <a:t>ou </a:t>
+            </a:r>
+            <a:r>
+              <a:rPr lang="fr-FR" dirty="0" smtClean="0"/>
+              <a:t>mettre </a:t>
+            </a:r>
+            <a:r>
+              <a:rPr lang="fr-FR" dirty="0"/>
+              <a:t>à </a:t>
+            </a:r>
+            <a:r>
+              <a:rPr lang="fr-FR" dirty="0" smtClean="0"/>
+              <a:t>jour </a:t>
+            </a:r>
+            <a:r>
+              <a:rPr lang="fr-FR" dirty="0"/>
+              <a:t>les acteurs jouant dans « The Avengers » (</a:t>
             </a:r>
             <a:r>
               <a:rPr lang="fr-FR" dirty="0" err="1"/>
@@ -12151,7 +12322,15 @@
             </a:r>
             <a:r>
               <a:rPr lang="fr-FR" dirty="0"/>
-              <a:t> des acteurs sont a utiliser uniquement lors d’une insertion.)</a:t>
+              <a:t> des acteurs sont </a:t>
+            </a:r>
+            <a:r>
+              <a:rPr lang="fr-FR" dirty="0" smtClean="0"/>
+              <a:t>à </a:t>
+            </a:r>
+            <a:r>
+              <a:rPr lang="fr-FR" dirty="0"/>
+              <a:t>utiliser uniquement lors d’une insertion.)</a:t>
             </a:r>
           </a:p>
           <a:p>
@@ -12249,7 +12428,7 @@
           <p:cNvPr id="2" name="Sous-titre 1">
             <a:extLst>
               <a:ext uri="{FF2B5EF4-FFF2-40B4-BE49-F238E27FC236}">
-                <a16:creationId xmlns:a16="http://schemas.microsoft.com/office/drawing/2014/main" id="{A3F3E58C-CB99-9A49-B6CE-E178322C5E7C}"/>
+                <a16:creationId xmlns:a16="http://schemas.microsoft.com/office/drawing/2014/main" xmlns="" id="{A3F3E58C-CB99-9A49-B6CE-E178322C5E7C}"/>
               </a:ext>
             </a:extLst>
           </p:cNvPr>
@@ -12277,7 +12456,7 @@
           <p:cNvPr id="3" name="Titre 2">
             <a:extLst>
               <a:ext uri="{FF2B5EF4-FFF2-40B4-BE49-F238E27FC236}">
-                <a16:creationId xmlns:a16="http://schemas.microsoft.com/office/drawing/2014/main" id="{045280DC-FAEA-2E4C-8725-BF7A85995C27}"/>
+                <a16:creationId xmlns:a16="http://schemas.microsoft.com/office/drawing/2014/main" xmlns="" id="{045280DC-FAEA-2E4C-8725-BF7A85995C27}"/>
               </a:ext>
             </a:extLst>
           </p:cNvPr>
@@ -12335,7 +12514,7 @@
           <p:cNvPr id="2" name="Titre 1">
             <a:extLst>
               <a:ext uri="{FF2B5EF4-FFF2-40B4-BE49-F238E27FC236}">
-                <a16:creationId xmlns:a16="http://schemas.microsoft.com/office/drawing/2014/main" id="{A8B7E3B3-DEFA-0E4D-B09A-131C27B5007C}"/>
+                <a16:creationId xmlns:a16="http://schemas.microsoft.com/office/drawing/2014/main" xmlns="" id="{A8B7E3B3-DEFA-0E4D-B09A-131C27B5007C}"/>
               </a:ext>
             </a:extLst>
           </p:cNvPr>
@@ -12363,7 +12542,7 @@
           <p:cNvPr id="3" name="Espace réservé du contenu 2">
             <a:extLst>
               <a:ext uri="{FF2B5EF4-FFF2-40B4-BE49-F238E27FC236}">
-                <a16:creationId xmlns:a16="http://schemas.microsoft.com/office/drawing/2014/main" id="{8A8BAC2D-35A6-CE43-B25E-F013C09B4A90}"/>
+                <a16:creationId xmlns:a16="http://schemas.microsoft.com/office/drawing/2014/main" xmlns="" id="{8A8BAC2D-35A6-CE43-B25E-F013C09B4A90}"/>
               </a:ext>
             </a:extLst>
           </p:cNvPr>
@@ -12492,7 +12671,7 @@
           <p:cNvPr id="2" name="Titre 1">
             <a:extLst>
               <a:ext uri="{FF2B5EF4-FFF2-40B4-BE49-F238E27FC236}">
-                <a16:creationId xmlns:a16="http://schemas.microsoft.com/office/drawing/2014/main" id="{ABFE4FCF-80B9-AF46-8FE8-98C9F7736F27}"/>
+                <a16:creationId xmlns:a16="http://schemas.microsoft.com/office/drawing/2014/main" xmlns="" id="{ABFE4FCF-80B9-AF46-8FE8-98C9F7736F27}"/>
               </a:ext>
             </a:extLst>
           </p:cNvPr>
@@ -12520,7 +12699,7 @@
           <p:cNvPr id="3" name="Espace réservé du contenu 2">
             <a:extLst>
               <a:ext uri="{FF2B5EF4-FFF2-40B4-BE49-F238E27FC236}">
-                <a16:creationId xmlns:a16="http://schemas.microsoft.com/office/drawing/2014/main" id="{29B3BD1F-2BC3-E34E-B6BF-A508780834E8}"/>
+                <a16:creationId xmlns:a16="http://schemas.microsoft.com/office/drawing/2014/main" xmlns="" id="{29B3BD1F-2BC3-E34E-B6BF-A508780834E8}"/>
               </a:ext>
             </a:extLst>
           </p:cNvPr>
@@ -12546,7 +12725,11 @@
             </a:r>
             <a:r>
               <a:rPr lang="fr-FR" dirty="0"/>
-              <a:t> : Base de donnée orienté </a:t>
+              <a:t> : Base de </a:t>
+            </a:r>
+            <a:r>
+              <a:rPr lang="fr-FR" dirty="0" smtClean="0"/>
+              <a:t>données orientée </a:t>
             </a:r>
             <a:r>
               <a:rPr lang="fr-FR" b="1" dirty="0"/>
@@ -12554,8 +12737,13 @@
             </a:r>
             <a:r>
               <a:rPr lang="fr-FR" dirty="0"/>
-              <a:t>et non relationnel</a:t>
-            </a:r>
+              <a:t>et non </a:t>
+            </a:r>
+            <a:r>
+              <a:rPr lang="fr-FR" dirty="0" smtClean="0"/>
+              <a:t>relationnelle</a:t>
+            </a:r>
+            <a:endParaRPr lang="fr-FR" dirty="0"/>
           </a:p>
           <a:p>
             <a:r>
@@ -12662,7 +12850,23 @@
             </a:r>
             <a:r>
               <a:rPr lang="fr-FR" dirty="0"/>
-              <a:t>Les valeurs peuvent-être des primitifs, des dates, d’autre document ou des tableaux de valeurs</a:t>
+              <a:t>Les valeurs </a:t>
+            </a:r>
+            <a:r>
+              <a:rPr lang="fr-FR" dirty="0" smtClean="0"/>
+              <a:t>peuvent être </a:t>
+            </a:r>
+            <a:r>
+              <a:rPr lang="fr-FR" dirty="0"/>
+              <a:t>des primitifs, des dates, </a:t>
+            </a:r>
+            <a:r>
+              <a:rPr lang="fr-FR" dirty="0" smtClean="0"/>
+              <a:t>d’autres documents </a:t>
+            </a:r>
+            <a:r>
+              <a:rPr lang="fr-FR" dirty="0"/>
+              <a:t>ou des tableaux de valeurs</a:t>
             </a:r>
             <a:endParaRPr lang="fr-FR" b="1" dirty="0"/>
           </a:p>
@@ -12726,7 +12930,7 @@
           <p:cNvPr id="2" name="Titre 1">
             <a:extLst>
               <a:ext uri="{FF2B5EF4-FFF2-40B4-BE49-F238E27FC236}">
-                <a16:creationId xmlns:a16="http://schemas.microsoft.com/office/drawing/2014/main" id="{B5001CAC-EF5E-0E45-9435-9A16F1CE9E65}"/>
+                <a16:creationId xmlns:a16="http://schemas.microsoft.com/office/drawing/2014/main" xmlns="" id="{B5001CAC-EF5E-0E45-9435-9A16F1CE9E65}"/>
               </a:ext>
             </a:extLst>
           </p:cNvPr>
@@ -12754,7 +12958,7 @@
           <p:cNvPr id="3" name="Espace réservé du contenu 2">
             <a:extLst>
               <a:ext uri="{FF2B5EF4-FFF2-40B4-BE49-F238E27FC236}">
-                <a16:creationId xmlns:a16="http://schemas.microsoft.com/office/drawing/2014/main" id="{1CF3A1E8-84B0-C44B-B997-536E5EAF83A4}"/>
+                <a16:creationId xmlns:a16="http://schemas.microsoft.com/office/drawing/2014/main" xmlns="" id="{1CF3A1E8-84B0-C44B-B997-536E5EAF83A4}"/>
               </a:ext>
             </a:extLst>
           </p:cNvPr>
@@ -12778,7 +12982,15 @@
             </a:pPr>
             <a:r>
               <a:rPr lang="fr-FR" dirty="0"/>
-              <a:t>En réalité nous ne voulons que les films de 2012, supprimer tout les autres</a:t>
+              <a:t>En réalité nous ne voulons que les films de 2012, supprimer </a:t>
+            </a:r>
+            <a:r>
+              <a:rPr lang="fr-FR" dirty="0" smtClean="0"/>
+              <a:t>tous </a:t>
+            </a:r>
+            <a:r>
+              <a:rPr lang="fr-FR" dirty="0"/>
+              <a:t>les autres</a:t>
             </a:r>
           </a:p>
           <a:p>
@@ -12825,7 +13037,7 @@
           <p:cNvPr id="2" name="Titre 1">
             <a:extLst>
               <a:ext uri="{FF2B5EF4-FFF2-40B4-BE49-F238E27FC236}">
-                <a16:creationId xmlns:a16="http://schemas.microsoft.com/office/drawing/2014/main" id="{ACFAF898-32D8-BA48-B7FF-E3D25D296DCB}"/>
+                <a16:creationId xmlns:a16="http://schemas.microsoft.com/office/drawing/2014/main" xmlns="" id="{ACFAF898-32D8-BA48-B7FF-E3D25D296DCB}"/>
               </a:ext>
             </a:extLst>
           </p:cNvPr>
@@ -12853,7 +13065,7 @@
           <p:cNvPr id="4" name="ZoneTexte 3">
             <a:extLst>
               <a:ext uri="{FF2B5EF4-FFF2-40B4-BE49-F238E27FC236}">
-                <a16:creationId xmlns:a16="http://schemas.microsoft.com/office/drawing/2014/main" id="{83BFB4D3-1E9D-7848-8EC4-55D83E0F4115}"/>
+                <a16:creationId xmlns:a16="http://schemas.microsoft.com/office/drawing/2014/main" xmlns="" id="{83BFB4D3-1E9D-7848-8EC4-55D83E0F4115}"/>
               </a:ext>
             </a:extLst>
           </p:cNvPr>
@@ -12933,7 +13145,7 @@
           <p:cNvPr id="5" name="ZoneTexte 4">
             <a:extLst>
               <a:ext uri="{FF2B5EF4-FFF2-40B4-BE49-F238E27FC236}">
-                <a16:creationId xmlns:a16="http://schemas.microsoft.com/office/drawing/2014/main" id="{59C467CD-767C-7548-8E0F-418E6724BF52}"/>
+                <a16:creationId xmlns:a16="http://schemas.microsoft.com/office/drawing/2014/main" xmlns="" id="{59C467CD-767C-7548-8E0F-418E6724BF52}"/>
               </a:ext>
             </a:extLst>
           </p:cNvPr>
@@ -13159,7 +13371,7 @@
           <p:cNvPr id="2" name="Titre 1">
             <a:extLst>
               <a:ext uri="{FF2B5EF4-FFF2-40B4-BE49-F238E27FC236}">
-                <a16:creationId xmlns:a16="http://schemas.microsoft.com/office/drawing/2014/main" id="{65E7FA29-2840-B043-8336-B948DD66FA72}"/>
+                <a16:creationId xmlns:a16="http://schemas.microsoft.com/office/drawing/2014/main" xmlns="" id="{65E7FA29-2840-B043-8336-B948DD66FA72}"/>
               </a:ext>
             </a:extLst>
           </p:cNvPr>
@@ -13187,7 +13399,7 @@
           <p:cNvPr id="3" name="Espace réservé du contenu 2">
             <a:extLst>
               <a:ext uri="{FF2B5EF4-FFF2-40B4-BE49-F238E27FC236}">
-                <a16:creationId xmlns:a16="http://schemas.microsoft.com/office/drawing/2014/main" id="{F196A41B-D45F-454D-824E-67686825C548}"/>
+                <a16:creationId xmlns:a16="http://schemas.microsoft.com/office/drawing/2014/main" xmlns="" id="{F196A41B-D45F-454D-824E-67686825C548}"/>
               </a:ext>
             </a:extLst>
           </p:cNvPr>
@@ -13215,7 +13427,7 @@
           <p:cNvPr id="4" name="Picture 2" descr="alt text">
             <a:extLst>
               <a:ext uri="{FF2B5EF4-FFF2-40B4-BE49-F238E27FC236}">
-                <a16:creationId xmlns:a16="http://schemas.microsoft.com/office/drawing/2014/main" id="{68B26FA3-85C1-6940-A599-241EB5CD8F26}"/>
+                <a16:creationId xmlns:a16="http://schemas.microsoft.com/office/drawing/2014/main" xmlns="" id="{68B26FA3-85C1-6940-A599-241EB5CD8F26}"/>
               </a:ext>
             </a:extLst>
           </p:cNvPr>
@@ -13262,7 +13474,7 @@
           <p:cNvPr id="5" name="Picture 4" descr="alt text">
             <a:extLst>
               <a:ext uri="{FF2B5EF4-FFF2-40B4-BE49-F238E27FC236}">
-                <a16:creationId xmlns:a16="http://schemas.microsoft.com/office/drawing/2014/main" id="{AC7B1CF6-8EBB-F44C-B698-939C0A40D124}"/>
+                <a16:creationId xmlns:a16="http://schemas.microsoft.com/office/drawing/2014/main" xmlns="" id="{AC7B1CF6-8EBB-F44C-B698-939C0A40D124}"/>
               </a:ext>
             </a:extLst>
           </p:cNvPr>
@@ -13339,7 +13551,7 @@
           <p:cNvPr id="2" name="Titre 1">
             <a:extLst>
               <a:ext uri="{FF2B5EF4-FFF2-40B4-BE49-F238E27FC236}">
-                <a16:creationId xmlns:a16="http://schemas.microsoft.com/office/drawing/2014/main" id="{3FE36646-8C09-0E4A-ADB4-90EFEEABDB5D}"/>
+                <a16:creationId xmlns:a16="http://schemas.microsoft.com/office/drawing/2014/main" xmlns="" id="{3FE36646-8C09-0E4A-ADB4-90EFEEABDB5D}"/>
               </a:ext>
             </a:extLst>
           </p:cNvPr>
@@ -13367,7 +13579,7 @@
           <p:cNvPr id="3" name="Espace réservé du contenu 2">
             <a:extLst>
               <a:ext uri="{FF2B5EF4-FFF2-40B4-BE49-F238E27FC236}">
-                <a16:creationId xmlns:a16="http://schemas.microsoft.com/office/drawing/2014/main" id="{4D2E1F0A-C737-CF4D-8CD1-CF25EB56CFCA}"/>
+                <a16:creationId xmlns:a16="http://schemas.microsoft.com/office/drawing/2014/main" xmlns="" id="{4D2E1F0A-C737-CF4D-8CD1-CF25EB56CFCA}"/>
               </a:ext>
             </a:extLst>
           </p:cNvPr>
@@ -13434,7 +13646,7 @@
           <p:cNvPr id="4" name="Picture 6" descr="alt text">
             <a:extLst>
               <a:ext uri="{FF2B5EF4-FFF2-40B4-BE49-F238E27FC236}">
-                <a16:creationId xmlns:a16="http://schemas.microsoft.com/office/drawing/2014/main" id="{BAA0AF7D-9EEE-A145-BE08-0E1763FCCC66}"/>
+                <a16:creationId xmlns:a16="http://schemas.microsoft.com/office/drawing/2014/main" xmlns="" id="{BAA0AF7D-9EEE-A145-BE08-0E1763FCCC66}"/>
               </a:ext>
             </a:extLst>
           </p:cNvPr>
@@ -13511,7 +13723,7 @@
           <p:cNvPr id="2" name="Titre 1">
             <a:extLst>
               <a:ext uri="{FF2B5EF4-FFF2-40B4-BE49-F238E27FC236}">
-                <a16:creationId xmlns:a16="http://schemas.microsoft.com/office/drawing/2014/main" id="{3FE36646-8C09-0E4A-ADB4-90EFEEABDB5D}"/>
+                <a16:creationId xmlns:a16="http://schemas.microsoft.com/office/drawing/2014/main" xmlns="" id="{3FE36646-8C09-0E4A-ADB4-90EFEEABDB5D}"/>
               </a:ext>
             </a:extLst>
           </p:cNvPr>
@@ -13539,7 +13751,7 @@
           <p:cNvPr id="3" name="Espace réservé du contenu 2">
             <a:extLst>
               <a:ext uri="{FF2B5EF4-FFF2-40B4-BE49-F238E27FC236}">
-                <a16:creationId xmlns:a16="http://schemas.microsoft.com/office/drawing/2014/main" id="{4D2E1F0A-C737-CF4D-8CD1-CF25EB56CFCA}"/>
+                <a16:creationId xmlns:a16="http://schemas.microsoft.com/office/drawing/2014/main" xmlns="" id="{4D2E1F0A-C737-CF4D-8CD1-CF25EB56CFCA}"/>
               </a:ext>
             </a:extLst>
           </p:cNvPr>
@@ -13586,7 +13798,15 @@
             <a:pPr lvl="1"/>
             <a:r>
               <a:rPr lang="fr-FR" dirty="0"/>
-              <a:t>Préférences de lecture configuré au niveau du client</a:t>
+              <a:t>Préférences de lecture </a:t>
+            </a:r>
+            <a:r>
+              <a:rPr lang="fr-FR" dirty="0" smtClean="0"/>
+              <a:t>configurées </a:t>
+            </a:r>
+            <a:r>
+              <a:rPr lang="fr-FR" dirty="0"/>
+              <a:t>au niveau du client</a:t>
             </a:r>
           </a:p>
         </p:txBody>
@@ -13596,7 +13816,7 @@
           <p:cNvPr id="5" name="Image 4">
             <a:extLst>
               <a:ext uri="{FF2B5EF4-FFF2-40B4-BE49-F238E27FC236}">
-                <a16:creationId xmlns:a16="http://schemas.microsoft.com/office/drawing/2014/main" id="{E65B7439-EB7C-634D-A898-49E5E6892E24}"/>
+                <a16:creationId xmlns:a16="http://schemas.microsoft.com/office/drawing/2014/main" xmlns="" id="{E65B7439-EB7C-634D-A898-49E5E6892E24}"/>
               </a:ext>
             </a:extLst>
           </p:cNvPr>
@@ -13626,7 +13846,7 @@
           <p:cNvPr id="6" name="Image 5">
             <a:extLst>
               <a:ext uri="{FF2B5EF4-FFF2-40B4-BE49-F238E27FC236}">
-                <a16:creationId xmlns:a16="http://schemas.microsoft.com/office/drawing/2014/main" id="{AFD802F8-074D-1149-88D3-B13DF680936C}"/>
+                <a16:creationId xmlns:a16="http://schemas.microsoft.com/office/drawing/2014/main" xmlns="" id="{AFD802F8-074D-1149-88D3-B13DF680936C}"/>
               </a:ext>
             </a:extLst>
           </p:cNvPr>
@@ -13686,7 +13906,7 @@
           <p:cNvPr id="2" name="Sous-titre 1">
             <a:extLst>
               <a:ext uri="{FF2B5EF4-FFF2-40B4-BE49-F238E27FC236}">
-                <a16:creationId xmlns:a16="http://schemas.microsoft.com/office/drawing/2014/main" id="{DF19203D-3F75-B647-8967-DDFCB2958442}"/>
+                <a16:creationId xmlns:a16="http://schemas.microsoft.com/office/drawing/2014/main" xmlns="" id="{DF19203D-3F75-B647-8967-DDFCB2958442}"/>
               </a:ext>
             </a:extLst>
           </p:cNvPr>
@@ -13714,7 +13934,7 @@
           <p:cNvPr id="3" name="Titre 2">
             <a:extLst>
               <a:ext uri="{FF2B5EF4-FFF2-40B4-BE49-F238E27FC236}">
-                <a16:creationId xmlns:a16="http://schemas.microsoft.com/office/drawing/2014/main" id="{8A1F6CF2-7CC3-7944-867A-315760FC0490}"/>
+                <a16:creationId xmlns:a16="http://schemas.microsoft.com/office/drawing/2014/main" xmlns="" id="{8A1F6CF2-7CC3-7944-867A-315760FC0490}"/>
               </a:ext>
             </a:extLst>
           </p:cNvPr>
@@ -13772,7 +13992,7 @@
           <p:cNvPr id="2" name="Titre 1">
             <a:extLst>
               <a:ext uri="{FF2B5EF4-FFF2-40B4-BE49-F238E27FC236}">
-                <a16:creationId xmlns:a16="http://schemas.microsoft.com/office/drawing/2014/main" id="{97B3B19D-A937-E24A-80E7-5A061F8E43F6}"/>
+                <a16:creationId xmlns:a16="http://schemas.microsoft.com/office/drawing/2014/main" xmlns="" id="{97B3B19D-A937-E24A-80E7-5A061F8E43F6}"/>
               </a:ext>
             </a:extLst>
           </p:cNvPr>
@@ -13800,7 +14020,7 @@
           <p:cNvPr id="3" name="Espace réservé du contenu 2">
             <a:extLst>
               <a:ext uri="{FF2B5EF4-FFF2-40B4-BE49-F238E27FC236}">
-                <a16:creationId xmlns:a16="http://schemas.microsoft.com/office/drawing/2014/main" id="{29E7803C-6EF8-414C-AB6A-F0A5B292511D}"/>
+                <a16:creationId xmlns:a16="http://schemas.microsoft.com/office/drawing/2014/main" xmlns="" id="{29E7803C-6EF8-414C-AB6A-F0A5B292511D}"/>
               </a:ext>
             </a:extLst>
           </p:cNvPr>
@@ -13824,7 +14044,23 @@
             </a:r>
             <a:r>
               <a:rPr lang="fr-FR" dirty="0"/>
-              <a:t>Rechercher tout les document d’une collection :</a:t>
+              <a:t>Rechercher </a:t>
+            </a:r>
+            <a:r>
+              <a:rPr lang="fr-FR" dirty="0" smtClean="0"/>
+              <a:t>tous </a:t>
+            </a:r>
+            <a:r>
+              <a:rPr lang="fr-FR" dirty="0"/>
+              <a:t>les </a:t>
+            </a:r>
+            <a:r>
+              <a:rPr lang="fr-FR" dirty="0" smtClean="0"/>
+              <a:t>documents </a:t>
+            </a:r>
+            <a:r>
+              <a:rPr lang="fr-FR" dirty="0"/>
+              <a:t>d’une collection :</a:t>
             </a:r>
           </a:p>
           <a:p>
@@ -13906,7 +14142,15 @@
             </a:r>
             <a:r>
               <a:rPr lang="fr-FR" dirty="0"/>
-              <a:t>n’est pas requis, permet de limiter les champs ramener après exécution. </a:t>
+              <a:t>n’est pas requis, permet de limiter les champs </a:t>
+            </a:r>
+            <a:r>
+              <a:rPr lang="fr-FR" dirty="0" smtClean="0"/>
+              <a:t>ramenés </a:t>
+            </a:r>
+            <a:r>
+              <a:rPr lang="fr-FR" dirty="0"/>
+              <a:t>après exécution. </a:t>
             </a:r>
           </a:p>
           <a:p>
@@ -13928,7 +14172,15 @@
             <a:pPr lvl="1"/>
             <a:r>
               <a:rPr lang="fr-FR" dirty="0"/>
-              <a:t>Les opérations sont soit d’exclusion, soit d’inclusion, on ne peu pas combiner les deux (sauf pour _id)</a:t>
+              <a:t>Les opérations sont soit d’exclusion, soit d’inclusion, on ne </a:t>
+            </a:r>
+            <a:r>
+              <a:rPr lang="fr-FR" dirty="0" smtClean="0"/>
+              <a:t>peut </a:t>
+            </a:r>
+            <a:r>
+              <a:rPr lang="fr-FR" dirty="0"/>
+              <a:t>pas combiner les deux (sauf pour _id)</a:t>
             </a:r>
           </a:p>
           <a:p>
